--- a/02_Hadoop_Genel_Tanitim/02_Hadoop_ve_ekosistemini_tanima.pptx
+++ b/02_Hadoop_Genel_Tanitim/02_Hadoop_ve_ekosistemini_tanima.pptx
@@ -481,7 +481,7 @@
           <a:p>
             <a:fld id="{6F77F576-AE14-466D-AA6B-335273622B21}" type="datetimeFigureOut">
               <a:rPr lang="en-US" smtClean="0"/>
-              <a:t>4/27/2019</a:t>
+              <a:t>10/15/2019</a:t>
             </a:fld>
             <a:endParaRPr lang="en-US"/>
           </a:p>
@@ -1534,7 +1534,7 @@
           <a:p>
             <a:fld id="{54AA066D-271F-4C1A-B89A-0705A7689EE9}" type="datetimeFigureOut">
               <a:rPr lang="en-US" smtClean="0"/>
-              <a:t>4/27/2019</a:t>
+              <a:t>10/15/2019</a:t>
             </a:fld>
             <a:endParaRPr lang="en-US"/>
           </a:p>
@@ -1704,7 +1704,7 @@
           <a:p>
             <a:fld id="{54AA066D-271F-4C1A-B89A-0705A7689EE9}" type="datetimeFigureOut">
               <a:rPr lang="en-US" smtClean="0"/>
-              <a:t>4/27/2019</a:t>
+              <a:t>10/15/2019</a:t>
             </a:fld>
             <a:endParaRPr lang="en-US"/>
           </a:p>
@@ -1884,7 +1884,7 @@
           <a:p>
             <a:fld id="{54AA066D-271F-4C1A-B89A-0705A7689EE9}" type="datetimeFigureOut">
               <a:rPr lang="en-US" smtClean="0"/>
-              <a:t>4/27/2019</a:t>
+              <a:t>10/15/2019</a:t>
             </a:fld>
             <a:endParaRPr lang="en-US"/>
           </a:p>
@@ -2054,7 +2054,7 @@
           <a:p>
             <a:fld id="{54AA066D-271F-4C1A-B89A-0705A7689EE9}" type="datetimeFigureOut">
               <a:rPr lang="en-US" smtClean="0"/>
-              <a:t>4/27/2019</a:t>
+              <a:t>10/15/2019</a:t>
             </a:fld>
             <a:endParaRPr lang="en-US"/>
           </a:p>
@@ -2300,7 +2300,7 @@
           <a:p>
             <a:fld id="{54AA066D-271F-4C1A-B89A-0705A7689EE9}" type="datetimeFigureOut">
               <a:rPr lang="en-US" smtClean="0"/>
-              <a:t>4/27/2019</a:t>
+              <a:t>10/15/2019</a:t>
             </a:fld>
             <a:endParaRPr lang="en-US"/>
           </a:p>
@@ -2532,7 +2532,7 @@
           <a:p>
             <a:fld id="{54AA066D-271F-4C1A-B89A-0705A7689EE9}" type="datetimeFigureOut">
               <a:rPr lang="en-US" smtClean="0"/>
-              <a:t>4/27/2019</a:t>
+              <a:t>10/15/2019</a:t>
             </a:fld>
             <a:endParaRPr lang="en-US"/>
           </a:p>
@@ -2899,7 +2899,7 @@
           <a:p>
             <a:fld id="{54AA066D-271F-4C1A-B89A-0705A7689EE9}" type="datetimeFigureOut">
               <a:rPr lang="en-US" smtClean="0"/>
-              <a:t>4/27/2019</a:t>
+              <a:t>10/15/2019</a:t>
             </a:fld>
             <a:endParaRPr lang="en-US"/>
           </a:p>
@@ -3017,7 +3017,7 @@
           <a:p>
             <a:fld id="{54AA066D-271F-4C1A-B89A-0705A7689EE9}" type="datetimeFigureOut">
               <a:rPr lang="en-US" smtClean="0"/>
-              <a:t>4/27/2019</a:t>
+              <a:t>10/15/2019</a:t>
             </a:fld>
             <a:endParaRPr lang="en-US"/>
           </a:p>
@@ -3112,7 +3112,7 @@
           <a:p>
             <a:fld id="{54AA066D-271F-4C1A-B89A-0705A7689EE9}" type="datetimeFigureOut">
               <a:rPr lang="en-US" smtClean="0"/>
-              <a:t>4/27/2019</a:t>
+              <a:t>10/15/2019</a:t>
             </a:fld>
             <a:endParaRPr lang="en-US"/>
           </a:p>
@@ -3389,7 +3389,7 @@
           <a:p>
             <a:fld id="{54AA066D-271F-4C1A-B89A-0705A7689EE9}" type="datetimeFigureOut">
               <a:rPr lang="en-US" smtClean="0"/>
-              <a:t>4/27/2019</a:t>
+              <a:t>10/15/2019</a:t>
             </a:fld>
             <a:endParaRPr lang="en-US"/>
           </a:p>
@@ -3642,7 +3642,7 @@
           <a:p>
             <a:fld id="{54AA066D-271F-4C1A-B89A-0705A7689EE9}" type="datetimeFigureOut">
               <a:rPr lang="en-US" smtClean="0"/>
-              <a:t>4/27/2019</a:t>
+              <a:t>10/15/2019</a:t>
             </a:fld>
             <a:endParaRPr lang="en-US"/>
           </a:p>
@@ -3855,7 +3855,7 @@
           <a:p>
             <a:fld id="{54AA066D-271F-4C1A-B89A-0705A7689EE9}" type="datetimeFigureOut">
               <a:rPr lang="en-US" smtClean="0"/>
-              <a:t>4/27/2019</a:t>
+              <a:t>10/15/2019</a:t>
             </a:fld>
             <a:endParaRPr lang="en-US"/>
           </a:p>
@@ -4342,7 +4342,7 @@
           <p:nvPr/>
         </p:nvPicPr>
         <p:blipFill>
-          <a:blip r:embed="rId4">
+          <a:blip r:embed="rId4" cstate="print">
             <a:extLst>
               <a:ext uri="{28A0092B-C50C-407E-A947-70E740481C1C}">
                 <a14:useLocalDpi xmlns:a14="http://schemas.microsoft.com/office/drawing/2010/main" val="0"/>
@@ -4590,7 +4590,7 @@
           <p:nvPr/>
         </p:nvPicPr>
         <p:blipFill>
-          <a:blip r:embed="rId3">
+          <a:blip r:embed="rId3" cstate="print">
             <a:extLst>
               <a:ext uri="{28A0092B-C50C-407E-A947-70E740481C1C}">
                 <a14:useLocalDpi xmlns:a14="http://schemas.microsoft.com/office/drawing/2010/main" val="0"/>
@@ -4845,7 +4845,7 @@
           <p:nvPr/>
         </p:nvPicPr>
         <p:blipFill>
-          <a:blip r:embed="rId3">
+          <a:blip r:embed="rId3" cstate="print">
             <a:extLst>
               <a:ext uri="{28A0092B-C50C-407E-A947-70E740481C1C}">
                 <a14:useLocalDpi xmlns:a14="http://schemas.microsoft.com/office/drawing/2010/main" val="0"/>
@@ -8272,7 +8272,7 @@
           <p:nvPr/>
         </p:nvPicPr>
         <p:blipFill>
-          <a:blip r:embed="rId7">
+          <a:blip r:embed="rId7" cstate="print">
             <a:extLst>
               <a:ext uri="{28A0092B-C50C-407E-A947-70E740481C1C}">
                 <a14:useLocalDpi xmlns:a14="http://schemas.microsoft.com/office/drawing/2010/main" val="0"/>
@@ -9731,7 +9731,7 @@
           <p:nvPr/>
         </p:nvPicPr>
         <p:blipFill>
-          <a:blip r:embed="rId9">
+          <a:blip r:embed="rId9" cstate="print">
             <a:extLst>
               <a:ext uri="{28A0092B-C50C-407E-A947-70E740481C1C}">
                 <a14:useLocalDpi xmlns:a14="http://schemas.microsoft.com/office/drawing/2010/main" val="0"/>
@@ -13435,7 +13435,7 @@
           <p:nvPr/>
         </p:nvPicPr>
         <p:blipFill>
-          <a:blip r:embed="rId10">
+          <a:blip r:embed="rId10" cstate="print">
             <a:extLst>
               <a:ext uri="{28A0092B-C50C-407E-A947-70E740481C1C}">
                 <a14:useLocalDpi xmlns:a14="http://schemas.microsoft.com/office/drawing/2010/main" val="0"/>
@@ -21337,7 +21337,7 @@
           <p:nvPr/>
         </p:nvPicPr>
         <p:blipFill>
-          <a:blip r:embed="rId11">
+          <a:blip r:embed="rId11" cstate="print">
             <a:extLst>
               <a:ext uri="{28A0092B-C50C-407E-A947-70E740481C1C}">
                 <a14:useLocalDpi xmlns:a14="http://schemas.microsoft.com/office/drawing/2010/main" val="0"/>
@@ -24448,7 +24448,7 @@
           <p:nvPr/>
         </p:nvPicPr>
         <p:blipFill>
-          <a:blip r:embed="rId21">
+          <a:blip r:embed="rId21" cstate="print">
             <a:extLst>
               <a:ext uri="{28A0092B-C50C-407E-A947-70E740481C1C}">
                 <a14:useLocalDpi xmlns:a14="http://schemas.microsoft.com/office/drawing/2010/main" val="0"/>
